--- a/presentations/WorkAndTravelApplication.pptx
+++ b/presentations/WorkAndTravelApplication.pptx
@@ -309,7 +309,7 @@
           <a:p>
             <a:fld id="{AA70F276-1833-4A75-9C1D-A56E2295A68D}" type="datetimeFigureOut">
               <a:rPr lang="en-US" smtClean="0"/>
-              <a:t>1/26/2022</a:t>
+              <a:t>1/27/2022</a:t>
             </a:fld>
             <a:endParaRPr lang="en-US"/>
           </a:p>
@@ -648,7 +648,7 @@
             <a:fld id="{AA70F276-1833-4A75-9C1D-A56E2295A68D}" type="datetimeFigureOut">
               <a:rPr lang="en-US" smtClean="0"/>
               <a:pPr/>
-              <a:t>1/26/2022</a:t>
+              <a:t>1/27/2022</a:t>
             </a:fld>
             <a:endParaRPr lang="en-US" dirty="0"/>
           </a:p>
@@ -1055,7 +1055,7 @@
             <a:fld id="{AA70F276-1833-4A75-9C1D-A56E2295A68D}" type="datetimeFigureOut">
               <a:rPr lang="en-US" smtClean="0"/>
               <a:pPr/>
-              <a:t>1/26/2022</a:t>
+              <a:t>1/27/2022</a:t>
             </a:fld>
             <a:endParaRPr lang="en-US" dirty="0"/>
           </a:p>
@@ -1397,7 +1397,7 @@
             <a:fld id="{AA70F276-1833-4A75-9C1D-A56E2295A68D}" type="datetimeFigureOut">
               <a:rPr lang="en-US" smtClean="0"/>
               <a:pPr/>
-              <a:t>1/26/2022</a:t>
+              <a:t>1/27/2022</a:t>
             </a:fld>
             <a:endParaRPr lang="en-US" dirty="0"/>
           </a:p>
@@ -1723,7 +1723,7 @@
             <a:fld id="{AA70F276-1833-4A75-9C1D-A56E2295A68D}" type="datetimeFigureOut">
               <a:rPr lang="en-US" smtClean="0"/>
               <a:pPr/>
-              <a:t>1/26/2022</a:t>
+              <a:t>1/27/2022</a:t>
             </a:fld>
             <a:endParaRPr lang="en-US" dirty="0"/>
           </a:p>
@@ -2125,7 +2125,7 @@
             <a:fld id="{AA70F276-1833-4A75-9C1D-A56E2295A68D}" type="datetimeFigureOut">
               <a:rPr lang="en-US" smtClean="0"/>
               <a:pPr/>
-              <a:t>1/26/2022</a:t>
+              <a:t>1/27/2022</a:t>
             </a:fld>
             <a:endParaRPr lang="en-US" dirty="0"/>
           </a:p>
@@ -2387,7 +2387,7 @@
           <a:p>
             <a:fld id="{AA70F276-1833-4A75-9C1D-A56E2295A68D}" type="datetimeFigureOut">
               <a:rPr lang="en-US" smtClean="0"/>
-              <a:t>1/26/2022</a:t>
+              <a:t>1/27/2022</a:t>
             </a:fld>
             <a:endParaRPr lang="en-US"/>
           </a:p>
@@ -2649,7 +2649,7 @@
           <a:p>
             <a:fld id="{AA70F276-1833-4A75-9C1D-A56E2295A68D}" type="datetimeFigureOut">
               <a:rPr lang="en-US" smtClean="0"/>
-              <a:t>1/26/2022</a:t>
+              <a:t>1/27/2022</a:t>
             </a:fld>
             <a:endParaRPr lang="en-US"/>
           </a:p>
@@ -2911,7 +2911,7 @@
           <a:p>
             <a:fld id="{AA70F276-1833-4A75-9C1D-A56E2295A68D}" type="datetimeFigureOut">
               <a:rPr lang="en-US" smtClean="0"/>
-              <a:t>1/26/2022</a:t>
+              <a:t>1/27/2022</a:t>
             </a:fld>
             <a:endParaRPr lang="en-US"/>
           </a:p>
@@ -3240,7 +3240,7 @@
           <a:p>
             <a:fld id="{AA70F276-1833-4A75-9C1D-A56E2295A68D}" type="datetimeFigureOut">
               <a:rPr lang="en-US" smtClean="0"/>
-              <a:t>1/26/2022</a:t>
+              <a:t>1/27/2022</a:t>
             </a:fld>
             <a:endParaRPr lang="en-US"/>
           </a:p>
@@ -3563,7 +3563,7 @@
           <a:p>
             <a:fld id="{AA70F276-1833-4A75-9C1D-A56E2295A68D}" type="datetimeFigureOut">
               <a:rPr lang="en-US" smtClean="0"/>
-              <a:t>1/26/2022</a:t>
+              <a:t>1/27/2022</a:t>
             </a:fld>
             <a:endParaRPr lang="en-US"/>
           </a:p>
@@ -4020,7 +4020,7 @@
           <a:p>
             <a:fld id="{AA70F276-1833-4A75-9C1D-A56E2295A68D}" type="datetimeFigureOut">
               <a:rPr lang="en-US" smtClean="0"/>
-              <a:t>1/26/2022</a:t>
+              <a:t>1/27/2022</a:t>
             </a:fld>
             <a:endParaRPr lang="en-US"/>
           </a:p>
@@ -4225,7 +4225,7 @@
           <a:p>
             <a:fld id="{AA70F276-1833-4A75-9C1D-A56E2295A68D}" type="datetimeFigureOut">
               <a:rPr lang="en-US" smtClean="0"/>
-              <a:t>1/26/2022</a:t>
+              <a:t>1/27/2022</a:t>
             </a:fld>
             <a:endParaRPr lang="en-US"/>
           </a:p>
@@ -4402,7 +4402,7 @@
           <a:p>
             <a:fld id="{AA70F276-1833-4A75-9C1D-A56E2295A68D}" type="datetimeFigureOut">
               <a:rPr lang="en-US" smtClean="0"/>
-              <a:t>1/26/2022</a:t>
+              <a:t>1/27/2022</a:t>
             </a:fld>
             <a:endParaRPr lang="en-US"/>
           </a:p>
@@ -4735,7 +4735,7 @@
           <a:p>
             <a:fld id="{AA70F276-1833-4A75-9C1D-A56E2295A68D}" type="datetimeFigureOut">
               <a:rPr lang="en-US" smtClean="0"/>
-              <a:t>1/26/2022</a:t>
+              <a:t>1/27/2022</a:t>
             </a:fld>
             <a:endParaRPr lang="en-US"/>
           </a:p>
@@ -5080,7 +5080,7 @@
           <a:p>
             <a:fld id="{AA70F276-1833-4A75-9C1D-A56E2295A68D}" type="datetimeFigureOut">
               <a:rPr lang="en-US" smtClean="0"/>
-              <a:t>1/26/2022</a:t>
+              <a:t>1/27/2022</a:t>
             </a:fld>
             <a:endParaRPr lang="en-US"/>
           </a:p>
@@ -7198,7 +7198,7 @@
             <a:fld id="{AA70F276-1833-4A75-9C1D-A56E2295A68D}" type="datetimeFigureOut">
               <a:rPr lang="en-US" smtClean="0"/>
               <a:pPr/>
-              <a:t>1/26/2022</a:t>
+              <a:t>1/27/2022</a:t>
             </a:fld>
             <a:endParaRPr lang="en-US" dirty="0"/>
           </a:p>
@@ -11583,8 +11583,25 @@
           </a:xfrm>
         </p:spPr>
         <p:txBody>
-          <a:bodyPr/>
+          <a:bodyPr>
+            <a:normAutofit/>
+          </a:bodyPr>
           <a:lstStyle/>
+          <a:p>
+            <a:pPr marL="0" indent="0" algn="just">
+              <a:lnSpc>
+                <a:spcPct val="150000"/>
+              </a:lnSpc>
+              <a:buNone/>
+            </a:pPr>
+            <a:r>
+              <a:rPr lang="en-US" dirty="0">
+                <a:latin typeface="Arial" panose="020B0604020202020204" pitchFamily="34" charset="0"/>
+                <a:cs typeface="Arial" panose="020B0604020202020204" pitchFamily="34" charset="0"/>
+              </a:rPr>
+              <a:t>Types of users:</a:t>
+            </a:r>
+          </a:p>
           <a:p>
             <a:pPr algn="just">
               <a:lnSpc>
@@ -11596,7 +11613,7 @@
                 <a:latin typeface="Arial" panose="020B0604020202020204" pitchFamily="34" charset="0"/>
                 <a:cs typeface="Arial" panose="020B0604020202020204" pitchFamily="34" charset="0"/>
               </a:rPr>
-              <a:t>The personas that can use the application are Basic User, Pro User and Admin</a:t>
+              <a:t>Basic User – can only send 30 emails per one task and has access to limited company information</a:t>
             </a:r>
           </a:p>
           <a:p>
@@ -11610,7 +11627,7 @@
                 <a:latin typeface="Arial" panose="020B0604020202020204" pitchFamily="34" charset="0"/>
                 <a:cs typeface="Arial" panose="020B0604020202020204" pitchFamily="34" charset="0"/>
               </a:rPr>
-              <a:t>Basic User – can only send the amount of emails that are allowed in the free trial </a:t>
+              <a:t>Pro User – user that can send emails up to 1500 emails per day, to a company of his choice</a:t>
             </a:r>
           </a:p>
           <a:p>
@@ -11624,21 +11641,7 @@
                 <a:latin typeface="Arial" panose="020B0604020202020204" pitchFamily="34" charset="0"/>
                 <a:cs typeface="Arial" panose="020B0604020202020204" pitchFamily="34" charset="0"/>
               </a:rPr>
-              <a:t>Pro User – user that can send emails up to 1500 emails per day, to a company of his choice</a:t>
-            </a:r>
-          </a:p>
-          <a:p>
-            <a:pPr algn="just">
-              <a:lnSpc>
-                <a:spcPct val="150000"/>
-              </a:lnSpc>
-            </a:pPr>
-            <a:r>
-              <a:rPr lang="en-US" dirty="0">
-                <a:latin typeface="Arial" panose="020B0604020202020204" pitchFamily="34" charset="0"/>
-                <a:cs typeface="Arial" panose="020B0604020202020204" pitchFamily="34" charset="0"/>
-              </a:rPr>
-              <a:t>Admin – have access to everything, can put tasks on the application and can register companies</a:t>
+              <a:t>Admin – Has the functionality of the Pro user and has access to the system logs</a:t>
             </a:r>
           </a:p>
           <a:p>
